--- a/MIPS_SCORE_DIAGRAM.pptx
+++ b/MIPS_SCORE_DIAGRAM.pptx
@@ -8022,7 +8022,7 @@
         </p:nvSpPr>
         <p:spPr>
           <a:xfrm>
-            <a:off x="464018" y="450369"/>
+            <a:off x="382132" y="464016"/>
             <a:ext cx="1815124" cy="655093"/>
           </a:xfrm>
           <a:prstGeom prst="flowChartPredefinedProcess">
@@ -8071,7 +8071,7 @@
         </p:nvSpPr>
         <p:spPr>
           <a:xfrm>
-            <a:off x="710348" y="610312"/>
+            <a:off x="628462" y="637607"/>
             <a:ext cx="1343638" cy="276999"/>
           </a:xfrm>
           <a:prstGeom prst="rect">
@@ -8102,8 +8102,8 @@
         </p:nvSpPr>
         <p:spPr>
           <a:xfrm>
-            <a:off x="2411136" y="438993"/>
-            <a:ext cx="1442083" cy="636187"/>
+            <a:off x="377618" y="1298795"/>
+            <a:ext cx="1778694" cy="636187"/>
           </a:xfrm>
           <a:prstGeom prst="flowChartPredefinedProcess">
             <a:avLst/>
@@ -8151,15 +8151,15 @@
         </p:nvSpPr>
         <p:spPr>
           <a:xfrm>
-            <a:off x="2787082" y="639880"/>
-            <a:ext cx="636713" cy="276999"/>
+            <a:off x="794508" y="1499682"/>
+            <a:ext cx="785335" cy="276999"/>
           </a:xfrm>
           <a:prstGeom prst="rect">
             <a:avLst/>
           </a:prstGeom>
         </p:spPr>
         <p:txBody>
-          <a:bodyPr wrap="none">
+          <a:bodyPr wrap="square">
             <a:spAutoFit/>
           </a:bodyPr>
           <a:lstStyle/>
@@ -8182,8 +8182,8 @@
         </p:nvSpPr>
         <p:spPr>
           <a:xfrm>
-            <a:off x="4030640" y="427617"/>
-            <a:ext cx="1428458" cy="633915"/>
+            <a:off x="377618" y="2188174"/>
+            <a:ext cx="1778694" cy="633915"/>
           </a:xfrm>
           <a:prstGeom prst="flowChartPredefinedProcess">
             <a:avLst/>
@@ -8231,7 +8231,7 @@
         </p:nvSpPr>
         <p:spPr>
           <a:xfrm>
-            <a:off x="4372502" y="642152"/>
+            <a:off x="796778" y="2402709"/>
             <a:ext cx="747320" cy="276999"/>
           </a:xfrm>
           <a:prstGeom prst="rect">
@@ -8262,8 +8262,8 @@
         </p:nvSpPr>
         <p:spPr>
           <a:xfrm>
-            <a:off x="259302" y="122822"/>
-            <a:ext cx="7166734" cy="1228299"/>
+            <a:off x="122830" y="122823"/>
+            <a:ext cx="2300527" cy="4233083"/>
           </a:xfrm>
           <a:prstGeom prst="flowChartAlternateProcess">
             <a:avLst/>
@@ -8311,8 +8311,8 @@
         </p:nvSpPr>
         <p:spPr>
           <a:xfrm>
-            <a:off x="97804" y="2455049"/>
-            <a:ext cx="2481620" cy="834060"/>
+            <a:off x="2881948" y="1117563"/>
+            <a:ext cx="2921526" cy="834060"/>
           </a:xfrm>
           <a:prstGeom prst="flowChartPredefinedProcess">
             <a:avLst/>
@@ -8357,15 +8357,15 @@
         </p:nvSpPr>
         <p:spPr>
           <a:xfrm>
-            <a:off x="371430" y="2455050"/>
-            <a:ext cx="1826141" cy="830997"/>
+            <a:off x="3155574" y="1117564"/>
+            <a:ext cx="2149853" cy="830997"/>
           </a:xfrm>
           <a:prstGeom prst="rect">
             <a:avLst/>
           </a:prstGeom>
         </p:spPr>
         <p:txBody>
-          <a:bodyPr wrap="none">
+          <a:bodyPr wrap="square">
             <a:spAutoFit/>
           </a:bodyPr>
           <a:lstStyle/>
@@ -8415,8 +8415,8 @@
         </p:nvSpPr>
         <p:spPr>
           <a:xfrm>
-            <a:off x="72780" y="1556573"/>
-            <a:ext cx="2506644" cy="779470"/>
+            <a:off x="127378" y="4654621"/>
+            <a:ext cx="2392722" cy="779470"/>
           </a:xfrm>
           <a:prstGeom prst="flowChartPredefinedProcess">
             <a:avLst/>
@@ -8461,7 +8461,7 @@
         </p:nvSpPr>
         <p:spPr>
           <a:xfrm>
-            <a:off x="368485" y="1610436"/>
+            <a:off x="423083" y="4708484"/>
             <a:ext cx="1814920" cy="646331"/>
           </a:xfrm>
           <a:prstGeom prst="rect">
@@ -8511,7 +8511,7 @@
         </p:nvSpPr>
         <p:spPr>
           <a:xfrm>
-            <a:off x="3018425" y="1772653"/>
+            <a:off x="2868293" y="2304919"/>
             <a:ext cx="2922905" cy="847711"/>
           </a:xfrm>
           <a:prstGeom prst="flowChartPredefinedProcess">
@@ -8560,7 +8560,7 @@
         </p:nvSpPr>
         <p:spPr>
           <a:xfrm>
-            <a:off x="3264756" y="1827245"/>
+            <a:off x="3114624" y="2359511"/>
             <a:ext cx="2385589" cy="646331"/>
           </a:xfrm>
           <a:prstGeom prst="rect">
@@ -8601,78 +8601,6 @@
           </a:p>
         </p:txBody>
       </p:sp>
-      <p:cxnSp>
-        <p:nvCxnSpPr>
-          <p:cNvPr id="37" name="Straight Arrow Connector 36"/>
-          <p:cNvCxnSpPr/>
-          <p:nvPr/>
-        </p:nvCxnSpPr>
-        <p:spPr>
-          <a:xfrm>
-            <a:off x="2579424" y="1942867"/>
-            <a:ext cx="439001" cy="0"/>
-          </a:xfrm>
-          <a:prstGeom prst="straightConnector1">
-            <a:avLst/>
-          </a:prstGeom>
-          <a:ln>
-            <a:solidFill>
-              <a:schemeClr val="tx1"/>
-            </a:solidFill>
-            <a:tailEnd type="triangle"/>
-          </a:ln>
-        </p:spPr>
-        <p:style>
-          <a:lnRef idx="1">
-            <a:schemeClr val="accent1"/>
-          </a:lnRef>
-          <a:fillRef idx="0">
-            <a:schemeClr val="accent1"/>
-          </a:fillRef>
-          <a:effectRef idx="0">
-            <a:schemeClr val="accent1"/>
-          </a:effectRef>
-          <a:fontRef idx="minor">
-            <a:schemeClr val="tx1"/>
-          </a:fontRef>
-        </p:style>
-      </p:cxnSp>
-      <p:cxnSp>
-        <p:nvCxnSpPr>
-          <p:cNvPr id="39" name="Straight Arrow Connector 38"/>
-          <p:cNvCxnSpPr/>
-          <p:nvPr/>
-        </p:nvCxnSpPr>
-        <p:spPr>
-          <a:xfrm>
-            <a:off x="2579424" y="2552131"/>
-            <a:ext cx="439001" cy="0"/>
-          </a:xfrm>
-          <a:prstGeom prst="straightConnector1">
-            <a:avLst/>
-          </a:prstGeom>
-          <a:ln>
-            <a:solidFill>
-              <a:schemeClr val="tx1"/>
-            </a:solidFill>
-            <a:tailEnd type="triangle"/>
-          </a:ln>
-        </p:spPr>
-        <p:style>
-          <a:lnRef idx="1">
-            <a:schemeClr val="accent1"/>
-          </a:lnRef>
-          <a:fillRef idx="0">
-            <a:schemeClr val="accent1"/>
-          </a:fillRef>
-          <a:effectRef idx="0">
-            <a:schemeClr val="accent1"/>
-          </a:effectRef>
-          <a:fontRef idx="minor">
-            <a:schemeClr val="tx1"/>
-          </a:fontRef>
-        </p:style>
-      </p:cxnSp>
       <p:sp>
         <p:nvSpPr>
           <p:cNvPr id="45" name="Flowchart: Predefined Process 44"/>
@@ -8681,7 +8609,7 @@
         </p:nvSpPr>
         <p:spPr>
           <a:xfrm>
-            <a:off x="3061641" y="2866021"/>
+            <a:off x="2911509" y="3384639"/>
             <a:ext cx="2879689" cy="971267"/>
           </a:xfrm>
           <a:prstGeom prst="flowChartPredefinedProcess">
@@ -8730,7 +8658,7 @@
         </p:nvSpPr>
         <p:spPr>
           <a:xfrm>
-            <a:off x="3362564" y="3044169"/>
+            <a:off x="3212432" y="3562787"/>
             <a:ext cx="2385589" cy="646331"/>
           </a:xfrm>
           <a:prstGeom prst="rect">
@@ -8779,7 +8707,7 @@
         </p:nvSpPr>
         <p:spPr>
           <a:xfrm>
-            <a:off x="3076811" y="4069303"/>
+            <a:off x="2926679" y="4587921"/>
             <a:ext cx="2891064" cy="971267"/>
           </a:xfrm>
           <a:prstGeom prst="flowChartPredefinedProcess">
@@ -8820,16 +8748,65 @@
           </a:p>
         </p:txBody>
       </p:sp>
+      <p:sp>
+        <p:nvSpPr>
+          <p:cNvPr id="64" name="Rectangle 63"/>
+          <p:cNvSpPr/>
+          <p:nvPr/>
+        </p:nvSpPr>
+        <p:spPr>
+          <a:xfrm>
+            <a:off x="3312513" y="4768347"/>
+            <a:ext cx="2098651" cy="646331"/>
+          </a:xfrm>
+          <a:prstGeom prst="rect">
+            <a:avLst/>
+          </a:prstGeom>
+        </p:spPr>
+        <p:txBody>
+          <a:bodyPr wrap="none">
+            <a:spAutoFit/>
+          </a:bodyPr>
+          <a:lstStyle/>
+          <a:p>
+            <a:r>
+              <a:rPr lang="en-US" sz="1200" dirty="0">
+                <a:latin typeface="Arial" panose="020B0604020202020204" pitchFamily="34" charset="0"/>
+                <a:cs typeface="Arial" panose="020B0604020202020204" pitchFamily="34" charset="0"/>
+              </a:rPr>
+              <a:t>Qlty Msr Category Score Dtl</a:t>
+            </a:r>
+          </a:p>
+          <a:p>
+            <a:r>
+              <a:rPr lang="en-US" sz="1200" dirty="0">
+                <a:latin typeface="Arial" panose="020B0604020202020204" pitchFamily="34" charset="0"/>
+                <a:cs typeface="Arial" panose="020B0604020202020204" pitchFamily="34" charset="0"/>
+              </a:rPr>
+              <a:t>    </a:t>
+            </a:r>
+          </a:p>
+          <a:p>
+            <a:r>
+              <a:rPr lang="en-US" sz="1200" dirty="0">
+                <a:latin typeface="Arial" panose="020B0604020202020204" pitchFamily="34" charset="0"/>
+                <a:cs typeface="Arial" panose="020B0604020202020204" pitchFamily="34" charset="0"/>
+              </a:rPr>
+              <a:t> (TIN /NPI /Submsn Mthd)</a:t>
+            </a:r>
+          </a:p>
+        </p:txBody>
+      </p:sp>
       <p:cxnSp>
         <p:nvCxnSpPr>
-          <p:cNvPr id="56" name="Straight Arrow Connector 55"/>
+          <p:cNvPr id="71" name="Straight Arrow Connector 70"/>
           <p:cNvCxnSpPr/>
           <p:nvPr/>
         </p:nvCxnSpPr>
         <p:spPr>
           <a:xfrm>
-            <a:off x="4485602" y="1351121"/>
-            <a:ext cx="4480" cy="394234"/>
+            <a:off x="4312685" y="4355906"/>
+            <a:ext cx="0" cy="218374"/>
           </a:xfrm>
           <a:prstGeom prst="straightConnector1">
             <a:avLst/>
@@ -8856,127 +8833,6 @@
           </a:fontRef>
         </p:style>
       </p:cxnSp>
-      <p:cxnSp>
-        <p:nvCxnSpPr>
-          <p:cNvPr id="60" name="Straight Arrow Connector 59"/>
-          <p:cNvCxnSpPr/>
-          <p:nvPr/>
-        </p:nvCxnSpPr>
-        <p:spPr>
-          <a:xfrm>
-            <a:off x="4485602" y="2620361"/>
-            <a:ext cx="0" cy="232007"/>
-          </a:xfrm>
-          <a:prstGeom prst="straightConnector1">
-            <a:avLst/>
-          </a:prstGeom>
-          <a:ln>
-            <a:solidFill>
-              <a:schemeClr val="tx1"/>
-            </a:solidFill>
-            <a:tailEnd type="triangle"/>
-          </a:ln>
-        </p:spPr>
-        <p:style>
-          <a:lnRef idx="1">
-            <a:schemeClr val="accent1"/>
-          </a:lnRef>
-          <a:fillRef idx="0">
-            <a:schemeClr val="accent1"/>
-          </a:fillRef>
-          <a:effectRef idx="0">
-            <a:schemeClr val="accent1"/>
-          </a:effectRef>
-          <a:fontRef idx="minor">
-            <a:schemeClr val="tx1"/>
-          </a:fontRef>
-        </p:style>
-      </p:cxnSp>
-      <p:sp>
-        <p:nvSpPr>
-          <p:cNvPr id="64" name="Rectangle 63"/>
-          <p:cNvSpPr/>
-          <p:nvPr/>
-        </p:nvSpPr>
-        <p:spPr>
-          <a:xfrm>
-            <a:off x="3462645" y="4249729"/>
-            <a:ext cx="2098651" cy="646331"/>
-          </a:xfrm>
-          <a:prstGeom prst="rect">
-            <a:avLst/>
-          </a:prstGeom>
-        </p:spPr>
-        <p:txBody>
-          <a:bodyPr wrap="none">
-            <a:spAutoFit/>
-          </a:bodyPr>
-          <a:lstStyle/>
-          <a:p>
-            <a:r>
-              <a:rPr lang="en-US" sz="1200" dirty="0">
-                <a:latin typeface="Arial" panose="020B0604020202020204" pitchFamily="34" charset="0"/>
-                <a:cs typeface="Arial" panose="020B0604020202020204" pitchFamily="34" charset="0"/>
-              </a:rPr>
-              <a:t>Qlty Msr Category Score Dtl</a:t>
-            </a:r>
-          </a:p>
-          <a:p>
-            <a:r>
-              <a:rPr lang="en-US" sz="1200" dirty="0">
-                <a:latin typeface="Arial" panose="020B0604020202020204" pitchFamily="34" charset="0"/>
-                <a:cs typeface="Arial" panose="020B0604020202020204" pitchFamily="34" charset="0"/>
-              </a:rPr>
-              <a:t>    </a:t>
-            </a:r>
-          </a:p>
-          <a:p>
-            <a:r>
-              <a:rPr lang="en-US" sz="1200" dirty="0">
-                <a:latin typeface="Arial" panose="020B0604020202020204" pitchFamily="34" charset="0"/>
-                <a:cs typeface="Arial" panose="020B0604020202020204" pitchFamily="34" charset="0"/>
-              </a:rPr>
-              <a:t> (TIN /NPI /Submsn Mthd)</a:t>
-            </a:r>
-          </a:p>
-        </p:txBody>
-      </p:sp>
-      <p:cxnSp>
-        <p:nvCxnSpPr>
-          <p:cNvPr id="71" name="Straight Arrow Connector 70"/>
-          <p:cNvCxnSpPr/>
-          <p:nvPr/>
-        </p:nvCxnSpPr>
-        <p:spPr>
-          <a:xfrm>
-            <a:off x="4462817" y="3837288"/>
-            <a:ext cx="0" cy="218374"/>
-          </a:xfrm>
-          <a:prstGeom prst="straightConnector1">
-            <a:avLst/>
-          </a:prstGeom>
-          <a:ln>
-            <a:solidFill>
-              <a:schemeClr val="tx1"/>
-            </a:solidFill>
-            <a:tailEnd type="triangle"/>
-          </a:ln>
-        </p:spPr>
-        <p:style>
-          <a:lnRef idx="1">
-            <a:schemeClr val="accent1"/>
-          </a:lnRef>
-          <a:fillRef idx="0">
-            <a:schemeClr val="accent1"/>
-          </a:fillRef>
-          <a:effectRef idx="0">
-            <a:schemeClr val="accent1"/>
-          </a:effectRef>
-          <a:fontRef idx="minor">
-            <a:schemeClr val="tx1"/>
-          </a:fontRef>
-        </p:style>
-      </p:cxnSp>
       <p:sp>
         <p:nvSpPr>
           <p:cNvPr id="89" name="Flowchart: Predefined Process 88"/>
@@ -8985,7 +8841,7 @@
         </p:nvSpPr>
         <p:spPr>
           <a:xfrm>
-            <a:off x="6173335" y="1761277"/>
+            <a:off x="6023203" y="2293543"/>
             <a:ext cx="2922905" cy="847711"/>
           </a:xfrm>
           <a:prstGeom prst="flowChartPredefinedProcess">
@@ -9034,7 +8890,7 @@
         </p:nvSpPr>
         <p:spPr>
           <a:xfrm>
-            <a:off x="6419666" y="1815869"/>
+            <a:off x="6269534" y="2348135"/>
             <a:ext cx="2408736" cy="646331"/>
           </a:xfrm>
           <a:prstGeom prst="rect">
@@ -9083,7 +8939,7 @@
         </p:nvSpPr>
         <p:spPr>
           <a:xfrm>
-            <a:off x="6216551" y="2854645"/>
+            <a:off x="6066419" y="3373263"/>
             <a:ext cx="2960826" cy="971267"/>
           </a:xfrm>
           <a:prstGeom prst="flowChartPredefinedProcess">
@@ -9132,7 +8988,7 @@
         </p:nvSpPr>
         <p:spPr>
           <a:xfrm>
-            <a:off x="6544770" y="3046441"/>
+            <a:off x="6394638" y="3565059"/>
             <a:ext cx="2385589" cy="646331"/>
           </a:xfrm>
           <a:prstGeom prst="rect">
@@ -9181,7 +9037,7 @@
         </p:nvSpPr>
         <p:spPr>
           <a:xfrm>
-            <a:off x="6231721" y="4057927"/>
+            <a:off x="6081589" y="4576545"/>
             <a:ext cx="2891064" cy="971267"/>
           </a:xfrm>
           <a:prstGeom prst="flowChartPredefinedProcess">
@@ -9230,7 +9086,7 @@
         </p:nvSpPr>
         <p:spPr>
           <a:xfrm>
-            <a:off x="6642579" y="4208785"/>
+            <a:off x="6492447" y="4727403"/>
             <a:ext cx="1955985" cy="646331"/>
           </a:xfrm>
           <a:prstGeom prst="rect">
@@ -9273,120 +9129,13 @@
       </p:sp>
       <p:cxnSp>
         <p:nvCxnSpPr>
-          <p:cNvPr id="97" name="Straight Arrow Connector 96"/>
-          <p:cNvCxnSpPr/>
-          <p:nvPr/>
-        </p:nvCxnSpPr>
-        <p:spPr>
-          <a:xfrm>
-            <a:off x="7180966" y="1351121"/>
-            <a:ext cx="0" cy="396506"/>
-          </a:xfrm>
-          <a:prstGeom prst="straightConnector1">
-            <a:avLst/>
-          </a:prstGeom>
-          <a:ln>
-            <a:solidFill>
-              <a:schemeClr val="tx1"/>
-            </a:solidFill>
-            <a:tailEnd type="triangle"/>
-          </a:ln>
-        </p:spPr>
-        <p:style>
-          <a:lnRef idx="1">
-            <a:schemeClr val="accent1"/>
-          </a:lnRef>
-          <a:fillRef idx="0">
-            <a:schemeClr val="accent1"/>
-          </a:fillRef>
-          <a:effectRef idx="0">
-            <a:schemeClr val="accent1"/>
-          </a:effectRef>
-          <a:fontRef idx="minor">
-            <a:schemeClr val="tx1"/>
-          </a:fontRef>
-        </p:style>
-      </p:cxnSp>
-      <p:cxnSp>
-        <p:nvCxnSpPr>
-          <p:cNvPr id="101" name="Straight Connector 100"/>
-          <p:cNvCxnSpPr/>
-          <p:nvPr/>
-        </p:nvCxnSpPr>
-        <p:spPr>
-          <a:xfrm>
-            <a:off x="2579424" y="1610436"/>
-            <a:ext cx="4156418" cy="0"/>
-          </a:xfrm>
-          <a:prstGeom prst="line">
-            <a:avLst/>
-          </a:prstGeom>
-          <a:ln>
-            <a:solidFill>
-              <a:schemeClr val="tx1"/>
-            </a:solidFill>
-          </a:ln>
-        </p:spPr>
-        <p:style>
-          <a:lnRef idx="1">
-            <a:schemeClr val="accent1"/>
-          </a:lnRef>
-          <a:fillRef idx="0">
-            <a:schemeClr val="accent1"/>
-          </a:fillRef>
-          <a:effectRef idx="0">
-            <a:schemeClr val="accent1"/>
-          </a:effectRef>
-          <a:fontRef idx="minor">
-            <a:schemeClr val="tx1"/>
-          </a:fontRef>
-        </p:style>
-      </p:cxnSp>
-      <p:cxnSp>
-        <p:nvCxnSpPr>
-          <p:cNvPr id="103" name="Straight Arrow Connector 102"/>
-          <p:cNvCxnSpPr/>
-          <p:nvPr/>
-        </p:nvCxnSpPr>
-        <p:spPr>
-          <a:xfrm>
-            <a:off x="6724467" y="1610436"/>
-            <a:ext cx="0" cy="162217"/>
-          </a:xfrm>
-          <a:prstGeom prst="straightConnector1">
-            <a:avLst/>
-          </a:prstGeom>
-          <a:ln>
-            <a:solidFill>
-              <a:schemeClr val="tx1"/>
-            </a:solidFill>
-            <a:tailEnd type="triangle"/>
-          </a:ln>
-        </p:spPr>
-        <p:style>
-          <a:lnRef idx="1">
-            <a:schemeClr val="accent1"/>
-          </a:lnRef>
-          <a:fillRef idx="0">
-            <a:schemeClr val="accent1"/>
-          </a:fillRef>
-          <a:effectRef idx="0">
-            <a:schemeClr val="accent1"/>
-          </a:effectRef>
-          <a:fontRef idx="minor">
-            <a:schemeClr val="tx1"/>
-          </a:fontRef>
-        </p:style>
-      </p:cxnSp>
-      <p:cxnSp>
-        <p:nvCxnSpPr>
           <p:cNvPr id="106" name="Straight Arrow Connector 105"/>
           <p:cNvCxnSpPr/>
           <p:nvPr/>
         </p:nvCxnSpPr>
         <p:spPr>
           <a:xfrm>
-            <a:off x="7369788" y="2620361"/>
+            <a:off x="7219656" y="3152627"/>
             <a:ext cx="0" cy="232007"/>
           </a:xfrm>
           <a:prstGeom prst="straightConnector1">
@@ -9422,7 +9171,7 @@
         </p:nvCxnSpPr>
         <p:spPr>
           <a:xfrm>
-            <a:off x="7369788" y="3837288"/>
+            <a:off x="7219656" y="4355906"/>
             <a:ext cx="0" cy="232015"/>
           </a:xfrm>
           <a:prstGeom prst="straightConnector1">
@@ -9458,15 +9207,15 @@
         </p:nvSpPr>
         <p:spPr>
           <a:xfrm>
-            <a:off x="7866336" y="710405"/>
-            <a:ext cx="2027671" cy="646331"/>
+            <a:off x="6406013" y="1174427"/>
+            <a:ext cx="2409923" cy="646331"/>
           </a:xfrm>
           <a:prstGeom prst="rect">
             <a:avLst/>
           </a:prstGeom>
         </p:spPr>
         <p:txBody>
-          <a:bodyPr wrap="none">
+          <a:bodyPr wrap="square">
             <a:spAutoFit/>
           </a:bodyPr>
           <a:lstStyle/>
@@ -9507,8 +9256,8 @@
         </p:nvSpPr>
         <p:spPr>
           <a:xfrm>
-            <a:off x="7620006" y="628516"/>
-            <a:ext cx="2481620" cy="834060"/>
+            <a:off x="6023203" y="1092538"/>
+            <a:ext cx="2949450" cy="834060"/>
           </a:xfrm>
           <a:prstGeom prst="flowChartPredefinedProcess">
             <a:avLst/>
@@ -9545,42 +9294,6 @@
           </a:p>
         </p:txBody>
       </p:sp>
-      <p:cxnSp>
-        <p:nvCxnSpPr>
-          <p:cNvPr id="122" name="Straight Arrow Connector 121"/>
-          <p:cNvCxnSpPr/>
-          <p:nvPr/>
-        </p:nvCxnSpPr>
-        <p:spPr>
-          <a:xfrm>
-            <a:off x="8434316" y="1462576"/>
-            <a:ext cx="0" cy="298701"/>
-          </a:xfrm>
-          <a:prstGeom prst="straightConnector1">
-            <a:avLst/>
-          </a:prstGeom>
-          <a:ln>
-            <a:solidFill>
-              <a:schemeClr val="tx1"/>
-            </a:solidFill>
-            <a:tailEnd type="triangle"/>
-          </a:ln>
-        </p:spPr>
-        <p:style>
-          <a:lnRef idx="1">
-            <a:schemeClr val="accent1"/>
-          </a:lnRef>
-          <a:fillRef idx="0">
-            <a:schemeClr val="accent1"/>
-          </a:fillRef>
-          <a:effectRef idx="0">
-            <a:schemeClr val="accent1"/>
-          </a:effectRef>
-          <a:fontRef idx="minor">
-            <a:schemeClr val="tx1"/>
-          </a:fontRef>
-        </p:style>
-      </p:cxnSp>
       <p:sp>
         <p:nvSpPr>
           <p:cNvPr id="123" name="Flowchart: Predefined Process 122"/>
@@ -9589,7 +9302,7 @@
         </p:nvSpPr>
         <p:spPr>
           <a:xfrm>
-            <a:off x="9435326" y="1736253"/>
+            <a:off x="9285194" y="2295815"/>
             <a:ext cx="2437942" cy="847711"/>
           </a:xfrm>
           <a:prstGeom prst="flowChartPredefinedProcess">
@@ -9638,7 +9351,7 @@
         </p:nvSpPr>
         <p:spPr>
           <a:xfrm>
-            <a:off x="9752010" y="1736253"/>
+            <a:off x="9601878" y="2282165"/>
             <a:ext cx="2039372" cy="830997"/>
           </a:xfrm>
           <a:prstGeom prst="rect">
@@ -9696,7 +9409,7 @@
         </p:nvSpPr>
         <p:spPr>
           <a:xfrm>
-            <a:off x="9439711" y="2829621"/>
+            <a:off x="9289579" y="3348239"/>
             <a:ext cx="2462908" cy="971267"/>
           </a:xfrm>
           <a:prstGeom prst="flowChartPredefinedProcess">
@@ -9745,7 +9458,7 @@
         </p:nvSpPr>
         <p:spPr>
           <a:xfrm>
-            <a:off x="9726987" y="2884939"/>
+            <a:off x="9576855" y="3403557"/>
             <a:ext cx="2019774" cy="830997"/>
           </a:xfrm>
           <a:prstGeom prst="rect">
@@ -9803,7 +9516,7 @@
         </p:nvSpPr>
         <p:spPr>
           <a:xfrm>
-            <a:off x="9454881" y="4032903"/>
+            <a:off x="9304749" y="4551521"/>
             <a:ext cx="2447738" cy="971267"/>
           </a:xfrm>
           <a:prstGeom prst="flowChartPredefinedProcess">
@@ -9852,7 +9565,7 @@
         </p:nvSpPr>
         <p:spPr>
           <a:xfrm>
-            <a:off x="9729259" y="4142817"/>
+            <a:off x="9579127" y="4661435"/>
             <a:ext cx="1983130" cy="646331"/>
           </a:xfrm>
           <a:prstGeom prst="rect">
@@ -9901,7 +9614,7 @@
         </p:nvCxnSpPr>
         <p:spPr>
           <a:xfrm>
-            <a:off x="10743066" y="2595337"/>
+            <a:off x="10592934" y="3127603"/>
             <a:ext cx="0" cy="232007"/>
           </a:xfrm>
           <a:prstGeom prst="straightConnector1">
@@ -9937,7 +9650,7 @@
         </p:nvCxnSpPr>
         <p:spPr>
           <a:xfrm>
-            <a:off x="10770365" y="3812264"/>
+            <a:off x="10620233" y="4330882"/>
             <a:ext cx="0" cy="232015"/>
           </a:xfrm>
           <a:prstGeom prst="straightConnector1">
@@ -9973,7 +9686,7 @@
         </p:nvSpPr>
         <p:spPr>
           <a:xfrm>
-            <a:off x="5562982" y="5709311"/>
+            <a:off x="5412850" y="5873087"/>
             <a:ext cx="3035581" cy="971267"/>
           </a:xfrm>
           <a:prstGeom prst="flowChartPredefinedProcess">
@@ -10022,7 +9735,7 @@
         </p:nvSpPr>
         <p:spPr>
           <a:xfrm>
-            <a:off x="6020582" y="5991367"/>
+            <a:off x="5870450" y="6155143"/>
             <a:ext cx="1990866" cy="369332"/>
           </a:xfrm>
           <a:prstGeom prst="rect">
@@ -10043,42 +9756,6 @@
           </a:p>
         </p:txBody>
       </p:sp>
-      <p:cxnSp>
-        <p:nvCxnSpPr>
-          <p:cNvPr id="147" name="Straight Arrow Connector 146"/>
-          <p:cNvCxnSpPr/>
-          <p:nvPr/>
-        </p:nvCxnSpPr>
-        <p:spPr>
-          <a:xfrm>
-            <a:off x="7399334" y="5040570"/>
-            <a:ext cx="0" cy="668741"/>
-          </a:xfrm>
-          <a:prstGeom prst="straightConnector1">
-            <a:avLst/>
-          </a:prstGeom>
-          <a:ln>
-            <a:solidFill>
-              <a:schemeClr val="tx1"/>
-            </a:solidFill>
-            <a:tailEnd type="triangle"/>
-          </a:ln>
-        </p:spPr>
-        <p:style>
-          <a:lnRef idx="1">
-            <a:schemeClr val="accent1"/>
-          </a:lnRef>
-          <a:fillRef idx="0">
-            <a:schemeClr val="accent1"/>
-          </a:fillRef>
-          <a:effectRef idx="0">
-            <a:schemeClr val="accent1"/>
-          </a:effectRef>
-          <a:fontRef idx="minor">
-            <a:schemeClr val="tx1"/>
-          </a:fontRef>
-        </p:style>
-      </p:cxnSp>
       <p:cxnSp>
         <p:nvCxnSpPr>
           <p:cNvPr id="153" name="Straight Arrow Connector 152"/>
@@ -10089,7 +9766,7 @@
         </p:nvCxnSpPr>
         <p:spPr>
           <a:xfrm flipH="1">
-            <a:off x="8598563" y="6168788"/>
+            <a:off x="8448431" y="6332564"/>
             <a:ext cx="1816967" cy="26157"/>
           </a:xfrm>
           <a:prstGeom prst="straightConnector1">
@@ -10125,8 +9802,8 @@
         </p:nvCxnSpPr>
         <p:spPr>
           <a:xfrm flipV="1">
-            <a:off x="10415530" y="5040570"/>
-            <a:ext cx="0" cy="1154375"/>
+            <a:off x="10265398" y="5559188"/>
+            <a:ext cx="0" cy="758590"/>
           </a:xfrm>
           <a:prstGeom prst="line">
             <a:avLst/>
@@ -10160,8 +9837,8 @@
         </p:nvCxnSpPr>
         <p:spPr>
           <a:xfrm flipV="1">
-            <a:off x="4453716" y="5056490"/>
-            <a:ext cx="0" cy="1154375"/>
+            <a:off x="4312685" y="5609230"/>
+            <a:ext cx="0" cy="765411"/>
           </a:xfrm>
           <a:prstGeom prst="line">
             <a:avLst/>
@@ -10197,8 +9874,220 @@
         </p:nvCxnSpPr>
         <p:spPr>
           <a:xfrm flipV="1">
-            <a:off x="4462817" y="6194945"/>
+            <a:off x="4312685" y="6358721"/>
             <a:ext cx="1100165" cy="15920"/>
+          </a:xfrm>
+          <a:prstGeom prst="straightConnector1">
+            <a:avLst/>
+          </a:prstGeom>
+          <a:ln>
+            <a:solidFill>
+              <a:schemeClr val="tx1"/>
+            </a:solidFill>
+            <a:tailEnd type="triangle"/>
+          </a:ln>
+        </p:spPr>
+        <p:style>
+          <a:lnRef idx="1">
+            <a:schemeClr val="accent1"/>
+          </a:lnRef>
+          <a:fillRef idx="0">
+            <a:schemeClr val="accent1"/>
+          </a:fillRef>
+          <a:effectRef idx="0">
+            <a:schemeClr val="accent1"/>
+          </a:effectRef>
+          <a:fontRef idx="minor">
+            <a:schemeClr val="tx1"/>
+          </a:fontRef>
+        </p:style>
+      </p:cxnSp>
+      <p:sp>
+        <p:nvSpPr>
+          <p:cNvPr id="163" name="Flowchart: Predefined Process 162"/>
+          <p:cNvSpPr/>
+          <p:nvPr/>
+        </p:nvSpPr>
+        <p:spPr>
+          <a:xfrm>
+            <a:off x="9266872" y="1081166"/>
+            <a:ext cx="2456263" cy="834060"/>
+          </a:xfrm>
+          <a:prstGeom prst="flowChartPredefinedProcess">
+            <a:avLst/>
+          </a:prstGeom>
+          <a:noFill/>
+          <a:ln>
+            <a:solidFill>
+              <a:schemeClr val="tx1"/>
+            </a:solidFill>
+          </a:ln>
+        </p:spPr>
+        <p:style>
+          <a:lnRef idx="2">
+            <a:schemeClr val="accent1">
+              <a:shade val="50000"/>
+            </a:schemeClr>
+          </a:lnRef>
+          <a:fillRef idx="1">
+            <a:schemeClr val="accent1"/>
+          </a:fillRef>
+          <a:effectRef idx="0">
+            <a:schemeClr val="accent1"/>
+          </a:effectRef>
+          <a:fontRef idx="minor">
+            <a:schemeClr val="lt1"/>
+          </a:fontRef>
+        </p:style>
+        <p:txBody>
+          <a:bodyPr rtlCol="0" anchor="ctr"/>
+          <a:lstStyle/>
+          <a:p>
+            <a:pPr algn="ctr"/>
+            <a:endParaRPr lang="en-US"/>
+          </a:p>
+        </p:txBody>
+      </p:sp>
+      <p:sp>
+        <p:nvSpPr>
+          <p:cNvPr id="164" name="TextBox 163"/>
+          <p:cNvSpPr txBox="1"/>
+          <p:nvPr/>
+        </p:nvSpPr>
+        <p:spPr>
+          <a:xfrm>
+            <a:off x="9558612" y="1148889"/>
+            <a:ext cx="1958442" cy="646331"/>
+          </a:xfrm>
+          <a:prstGeom prst="rect">
+            <a:avLst/>
+          </a:prstGeom>
+          <a:noFill/>
+        </p:spPr>
+        <p:txBody>
+          <a:bodyPr wrap="square" rtlCol="0">
+            <a:spAutoFit/>
+          </a:bodyPr>
+          <a:lstStyle/>
+          <a:p>
+            <a:r>
+              <a:rPr lang="en-US" sz="1200" dirty="0">
+                <a:latin typeface="Arial" panose="020B0604020202020204" pitchFamily="34" charset="0"/>
+                <a:cs typeface="Arial" panose="020B0604020202020204" pitchFamily="34" charset="0"/>
+              </a:rPr>
+              <a:t>ACI Objectives /</a:t>
+            </a:r>
+          </a:p>
+          <a:p>
+            <a:r>
+              <a:rPr lang="en-US" sz="1200" dirty="0">
+                <a:latin typeface="Arial" panose="020B0604020202020204" pitchFamily="34" charset="0"/>
+                <a:cs typeface="Arial" panose="020B0604020202020204" pitchFamily="34" charset="0"/>
+              </a:rPr>
+              <a:t>ACI Measure Rfrnc /</a:t>
+            </a:r>
+          </a:p>
+          <a:p>
+            <a:r>
+              <a:rPr lang="en-US" sz="1200" dirty="0">
+                <a:latin typeface="Arial" panose="020B0604020202020204" pitchFamily="34" charset="0"/>
+                <a:cs typeface="Arial" panose="020B0604020202020204" pitchFamily="34" charset="0"/>
+              </a:rPr>
+              <a:t>ACI Msr Submsn Mthd</a:t>
+            </a:r>
+          </a:p>
+        </p:txBody>
+      </p:sp>
+      <p:sp>
+        <p:nvSpPr>
+          <p:cNvPr id="172" name="Flowchart: Predefined Process 171"/>
+          <p:cNvSpPr/>
+          <p:nvPr/>
+        </p:nvSpPr>
+        <p:spPr>
+          <a:xfrm>
+            <a:off x="443546" y="3063910"/>
+            <a:ext cx="1822002" cy="633915"/>
+          </a:xfrm>
+          <a:prstGeom prst="flowChartPredefinedProcess">
+            <a:avLst/>
+          </a:prstGeom>
+          <a:noFill/>
+          <a:ln>
+            <a:solidFill>
+              <a:schemeClr val="tx1"/>
+            </a:solidFill>
+          </a:ln>
+        </p:spPr>
+        <p:style>
+          <a:lnRef idx="2">
+            <a:schemeClr val="accent1">
+              <a:shade val="50000"/>
+            </a:schemeClr>
+          </a:lnRef>
+          <a:fillRef idx="1">
+            <a:schemeClr val="accent1"/>
+          </a:fillRef>
+          <a:effectRef idx="0">
+            <a:schemeClr val="accent1"/>
+          </a:effectRef>
+          <a:fontRef idx="minor">
+            <a:schemeClr val="lt1"/>
+          </a:fontRef>
+        </p:style>
+        <p:txBody>
+          <a:bodyPr rtlCol="0" anchor="ctr"/>
+          <a:lstStyle/>
+          <a:p>
+            <a:pPr algn="ctr"/>
+            <a:endParaRPr lang="en-US" sz="1200">
+              <a:latin typeface="Arial" panose="020B0604020202020204" pitchFamily="34" charset="0"/>
+              <a:cs typeface="Arial" panose="020B0604020202020204" pitchFamily="34" charset="0"/>
+            </a:endParaRPr>
+          </a:p>
+        </p:txBody>
+      </p:sp>
+      <p:sp>
+        <p:nvSpPr>
+          <p:cNvPr id="173" name="Rectangle 172"/>
+          <p:cNvSpPr/>
+          <p:nvPr/>
+        </p:nvSpPr>
+        <p:spPr>
+          <a:xfrm>
+            <a:off x="758112" y="3251149"/>
+            <a:ext cx="1161762" cy="276999"/>
+          </a:xfrm>
+          <a:prstGeom prst="rect">
+            <a:avLst/>
+          </a:prstGeom>
+        </p:spPr>
+        <p:txBody>
+          <a:bodyPr wrap="square">
+            <a:spAutoFit/>
+          </a:bodyPr>
+          <a:lstStyle/>
+          <a:p>
+            <a:r>
+              <a:rPr lang="en-US" sz="1200" dirty="0">
+                <a:latin typeface="Arial" panose="020B0604020202020204" pitchFamily="34" charset="0"/>
+                <a:cs typeface="Arial" panose="020B0604020202020204" pitchFamily="34" charset="0"/>
+              </a:rPr>
+              <a:t>Attestation</a:t>
+            </a:r>
+          </a:p>
+        </p:txBody>
+      </p:sp>
+      <p:cxnSp>
+        <p:nvCxnSpPr>
+          <p:cNvPr id="181" name="Straight Arrow Connector 180"/>
+          <p:cNvCxnSpPr/>
+          <p:nvPr/>
+        </p:nvCxnSpPr>
+        <p:spPr>
+          <a:xfrm>
+            <a:off x="7275904" y="5559188"/>
+            <a:ext cx="0" cy="313899"/>
           </a:xfrm>
           <a:prstGeom prst="straightConnector1">
             <a:avLst/>
@@ -10227,14 +10116,14 @@
       </p:cxnSp>
       <p:cxnSp>
         <p:nvCxnSpPr>
-          <p:cNvPr id="160" name="Straight Connector 159"/>
+          <p:cNvPr id="196" name="Straight Connector 195"/>
           <p:cNvCxnSpPr/>
           <p:nvPr/>
         </p:nvCxnSpPr>
         <p:spPr>
-          <a:xfrm>
-            <a:off x="6744272" y="1612708"/>
-            <a:ext cx="4156418" cy="0"/>
+          <a:xfrm flipV="1">
+            <a:off x="2423357" y="2078990"/>
+            <a:ext cx="8196876" cy="51191"/>
           </a:xfrm>
           <a:prstGeom prst="line">
             <a:avLst/>
@@ -10262,14 +10151,14 @@
       </p:cxnSp>
       <p:cxnSp>
         <p:nvCxnSpPr>
-          <p:cNvPr id="161" name="Straight Arrow Connector 160"/>
+          <p:cNvPr id="198" name="Straight Arrow Connector 197"/>
           <p:cNvCxnSpPr/>
           <p:nvPr/>
         </p:nvCxnSpPr>
         <p:spPr>
           <a:xfrm>
-            <a:off x="10902962" y="1599060"/>
-            <a:ext cx="0" cy="162217"/>
+            <a:off x="10620233" y="2088043"/>
+            <a:ext cx="0" cy="202090"/>
           </a:xfrm>
           <a:prstGeom prst="straightConnector1">
             <a:avLst/>
@@ -10296,114 +10185,16 @@
           </a:fontRef>
         </p:style>
       </p:cxnSp>
-      <p:sp>
-        <p:nvSpPr>
-          <p:cNvPr id="163" name="Flowchart: Predefined Process 162"/>
-          <p:cNvSpPr/>
-          <p:nvPr/>
-        </p:nvSpPr>
-        <p:spPr>
-          <a:xfrm>
-            <a:off x="10140337" y="630788"/>
-            <a:ext cx="1762282" cy="834060"/>
-          </a:xfrm>
-          <a:prstGeom prst="flowChartPredefinedProcess">
-            <a:avLst/>
-          </a:prstGeom>
-          <a:noFill/>
-          <a:ln>
-            <a:solidFill>
-              <a:schemeClr val="tx1"/>
-            </a:solidFill>
-          </a:ln>
-        </p:spPr>
-        <p:style>
-          <a:lnRef idx="2">
-            <a:schemeClr val="accent1">
-              <a:shade val="50000"/>
-            </a:schemeClr>
-          </a:lnRef>
-          <a:fillRef idx="1">
-            <a:schemeClr val="accent1"/>
-          </a:fillRef>
-          <a:effectRef idx="0">
-            <a:schemeClr val="accent1"/>
-          </a:effectRef>
-          <a:fontRef idx="minor">
-            <a:schemeClr val="lt1"/>
-          </a:fontRef>
-        </p:style>
-        <p:txBody>
-          <a:bodyPr rtlCol="0" anchor="ctr"/>
-          <a:lstStyle/>
-          <a:p>
-            <a:pPr algn="ctr"/>
-            <a:endParaRPr lang="en-US"/>
-          </a:p>
-        </p:txBody>
-      </p:sp>
-      <p:sp>
-        <p:nvSpPr>
-          <p:cNvPr id="164" name="TextBox 163"/>
-          <p:cNvSpPr txBox="1"/>
-          <p:nvPr/>
-        </p:nvSpPr>
-        <p:spPr>
-          <a:xfrm>
-            <a:off x="10322892" y="698511"/>
-            <a:ext cx="1405113" cy="646331"/>
-          </a:xfrm>
-          <a:prstGeom prst="rect">
-            <a:avLst/>
-          </a:prstGeom>
-          <a:noFill/>
-        </p:spPr>
-        <p:txBody>
-          <a:bodyPr wrap="square" rtlCol="0">
-            <a:spAutoFit/>
-          </a:bodyPr>
-          <a:lstStyle/>
-          <a:p>
-            <a:r>
-              <a:rPr lang="en-US" sz="1200" dirty="0">
-                <a:latin typeface="Arial" panose="020B0604020202020204" pitchFamily="34" charset="0"/>
-                <a:cs typeface="Arial" panose="020B0604020202020204" pitchFamily="34" charset="0"/>
-              </a:rPr>
-              <a:t>ACI Objectives /</a:t>
-            </a:r>
-          </a:p>
-          <a:p>
-            <a:r>
-              <a:rPr lang="en-US" sz="1200" dirty="0">
-                <a:latin typeface="Arial" panose="020B0604020202020204" pitchFamily="34" charset="0"/>
-                <a:cs typeface="Arial" panose="020B0604020202020204" pitchFamily="34" charset="0"/>
-              </a:rPr>
-              <a:t>ACI Measure </a:t>
-            </a:r>
-          </a:p>
-          <a:p>
-            <a:r>
-              <a:rPr lang="en-US" sz="1200" dirty="0">
-                <a:latin typeface="Arial" panose="020B0604020202020204" pitchFamily="34" charset="0"/>
-                <a:cs typeface="Arial" panose="020B0604020202020204" pitchFamily="34" charset="0"/>
-              </a:rPr>
-              <a:t>Rfrnc</a:t>
-            </a:r>
-          </a:p>
-        </p:txBody>
-      </p:sp>
       <p:cxnSp>
         <p:nvCxnSpPr>
-          <p:cNvPr id="168" name="Straight Arrow Connector 167"/>
-          <p:cNvCxnSpPr>
-            <a:stCxn id="163" idx="2"/>
-          </p:cNvCxnSpPr>
+          <p:cNvPr id="199" name="Straight Arrow Connector 198"/>
+          <p:cNvCxnSpPr/>
           <p:nvPr/>
         </p:nvCxnSpPr>
         <p:spPr>
           <a:xfrm>
-            <a:off x="11021478" y="1464848"/>
-            <a:ext cx="33208" cy="285053"/>
+            <a:off x="7210561" y="2117611"/>
+            <a:ext cx="0" cy="202090"/>
           </a:xfrm>
           <a:prstGeom prst="straightConnector1">
             <a:avLst/>
@@ -10430,21 +10221,164 @@
           </a:fontRef>
         </p:style>
       </p:cxnSp>
-      <p:sp>
-        <p:nvSpPr>
-          <p:cNvPr id="172" name="Flowchart: Predefined Process 171"/>
-          <p:cNvSpPr/>
-          <p:nvPr/>
-        </p:nvSpPr>
-        <p:spPr>
-          <a:xfrm>
-            <a:off x="5643356" y="429891"/>
-            <a:ext cx="1428458" cy="633915"/>
-          </a:xfrm>
-          <a:prstGeom prst="flowChartPredefinedProcess">
-            <a:avLst/>
-          </a:prstGeom>
-          <a:noFill/>
+      <p:cxnSp>
+        <p:nvCxnSpPr>
+          <p:cNvPr id="200" name="Straight Arrow Connector 199"/>
+          <p:cNvCxnSpPr/>
+          <p:nvPr/>
+        </p:nvCxnSpPr>
+        <p:spPr>
+          <a:xfrm>
+            <a:off x="4319505" y="2133531"/>
+            <a:ext cx="0" cy="202090"/>
+          </a:xfrm>
+          <a:prstGeom prst="straightConnector1">
+            <a:avLst/>
+          </a:prstGeom>
+          <a:ln>
+            <a:solidFill>
+              <a:schemeClr val="tx1"/>
+            </a:solidFill>
+            <a:tailEnd type="triangle"/>
+          </a:ln>
+        </p:spPr>
+        <p:style>
+          <a:lnRef idx="1">
+            <a:schemeClr val="accent1"/>
+          </a:lnRef>
+          <a:fillRef idx="0">
+            <a:schemeClr val="accent1"/>
+          </a:fillRef>
+          <a:effectRef idx="0">
+            <a:schemeClr val="accent1"/>
+          </a:effectRef>
+          <a:fontRef idx="minor">
+            <a:schemeClr val="tx1"/>
+          </a:fontRef>
+        </p:style>
+      </p:cxnSp>
+      <p:cxnSp>
+        <p:nvCxnSpPr>
+          <p:cNvPr id="205" name="Straight Arrow Connector 204"/>
+          <p:cNvCxnSpPr/>
+          <p:nvPr/>
+        </p:nvCxnSpPr>
+        <p:spPr>
+          <a:xfrm>
+            <a:off x="5022376" y="1948561"/>
+            <a:ext cx="0" cy="387060"/>
+          </a:xfrm>
+          <a:prstGeom prst="straightConnector1">
+            <a:avLst/>
+          </a:prstGeom>
+          <a:ln>
+            <a:solidFill>
+              <a:schemeClr val="tx1"/>
+            </a:solidFill>
+            <a:tailEnd type="triangle"/>
+          </a:ln>
+        </p:spPr>
+        <p:style>
+          <a:lnRef idx="1">
+            <a:schemeClr val="accent1"/>
+          </a:lnRef>
+          <a:fillRef idx="0">
+            <a:schemeClr val="accent1"/>
+          </a:fillRef>
+          <a:effectRef idx="0">
+            <a:schemeClr val="accent1"/>
+          </a:effectRef>
+          <a:fontRef idx="minor">
+            <a:schemeClr val="tx1"/>
+          </a:fontRef>
+        </p:style>
+      </p:cxnSp>
+      <p:cxnSp>
+        <p:nvCxnSpPr>
+          <p:cNvPr id="206" name="Straight Arrow Connector 205"/>
+          <p:cNvCxnSpPr/>
+          <p:nvPr/>
+        </p:nvCxnSpPr>
+        <p:spPr>
+          <a:xfrm>
+            <a:off x="7740560" y="1909889"/>
+            <a:ext cx="0" cy="387060"/>
+          </a:xfrm>
+          <a:prstGeom prst="straightConnector1">
+            <a:avLst/>
+          </a:prstGeom>
+          <a:ln>
+            <a:solidFill>
+              <a:schemeClr val="tx1"/>
+            </a:solidFill>
+            <a:tailEnd type="triangle"/>
+          </a:ln>
+        </p:spPr>
+        <p:style>
+          <a:lnRef idx="1">
+            <a:schemeClr val="accent1"/>
+          </a:lnRef>
+          <a:fillRef idx="0">
+            <a:schemeClr val="accent1"/>
+          </a:fillRef>
+          <a:effectRef idx="0">
+            <a:schemeClr val="accent1"/>
+          </a:effectRef>
+          <a:fontRef idx="minor">
+            <a:schemeClr val="tx1"/>
+          </a:fontRef>
+        </p:style>
+      </p:cxnSp>
+      <p:cxnSp>
+        <p:nvCxnSpPr>
+          <p:cNvPr id="207" name="Straight Arrow Connector 206"/>
+          <p:cNvCxnSpPr/>
+          <p:nvPr/>
+        </p:nvCxnSpPr>
+        <p:spPr>
+          <a:xfrm>
+            <a:off x="11113838" y="1925809"/>
+            <a:ext cx="0" cy="387060"/>
+          </a:xfrm>
+          <a:prstGeom prst="straightConnector1">
+            <a:avLst/>
+          </a:prstGeom>
+          <a:ln>
+            <a:solidFill>
+              <a:schemeClr val="tx1"/>
+            </a:solidFill>
+            <a:tailEnd type="triangle"/>
+          </a:ln>
+        </p:spPr>
+        <p:style>
+          <a:lnRef idx="1">
+            <a:schemeClr val="accent1"/>
+          </a:lnRef>
+          <a:fillRef idx="0">
+            <a:schemeClr val="accent1"/>
+          </a:fillRef>
+          <a:effectRef idx="0">
+            <a:schemeClr val="accent1"/>
+          </a:effectRef>
+          <a:fontRef idx="minor">
+            <a:schemeClr val="tx1"/>
+          </a:fontRef>
+        </p:style>
+      </p:cxnSp>
+      <p:cxnSp>
+        <p:nvCxnSpPr>
+          <p:cNvPr id="209" name="Straight Connector 208"/>
+          <p:cNvCxnSpPr/>
+          <p:nvPr/>
+        </p:nvCxnSpPr>
+        <p:spPr>
+          <a:xfrm>
+            <a:off x="2743200" y="2147230"/>
+            <a:ext cx="40943" cy="3011623"/>
+          </a:xfrm>
+          <a:prstGeom prst="line">
+            <a:avLst/>
+          </a:prstGeom>
           <a:ln>
             <a:solidFill>
               <a:schemeClr val="tx1"/>
@@ -10452,64 +10386,91 @@
           </a:ln>
         </p:spPr>
         <p:style>
-          <a:lnRef idx="2">
-            <a:schemeClr val="accent1">
-              <a:shade val="50000"/>
-            </a:schemeClr>
+          <a:lnRef idx="1">
+            <a:schemeClr val="accent1"/>
           </a:lnRef>
-          <a:fillRef idx="1">
+          <a:fillRef idx="0">
             <a:schemeClr val="accent1"/>
           </a:fillRef>
           <a:effectRef idx="0">
             <a:schemeClr val="accent1"/>
           </a:effectRef>
           <a:fontRef idx="minor">
-            <a:schemeClr val="lt1"/>
+            <a:schemeClr val="tx1"/>
           </a:fontRef>
         </p:style>
-        <p:txBody>
-          <a:bodyPr rtlCol="0" anchor="ctr"/>
-          <a:lstStyle/>
-          <a:p>
-            <a:pPr algn="ctr"/>
-            <a:endParaRPr lang="en-US" sz="1200">
-              <a:latin typeface="Arial" panose="020B0604020202020204" pitchFamily="34" charset="0"/>
-              <a:cs typeface="Arial" panose="020B0604020202020204" pitchFamily="34" charset="0"/>
-            </a:endParaRPr>
-          </a:p>
-        </p:txBody>
-      </p:sp>
-      <p:sp>
-        <p:nvSpPr>
-          <p:cNvPr id="173" name="Rectangle 172"/>
-          <p:cNvSpPr/>
-          <p:nvPr/>
-        </p:nvSpPr>
-        <p:spPr>
-          <a:xfrm>
-            <a:off x="5957922" y="617130"/>
-            <a:ext cx="910827" cy="276999"/>
-          </a:xfrm>
-          <a:prstGeom prst="rect">
-            <a:avLst/>
-          </a:prstGeom>
-        </p:spPr>
-        <p:txBody>
-          <a:bodyPr wrap="none">
-            <a:spAutoFit/>
-          </a:bodyPr>
-          <a:lstStyle/>
-          <a:p>
-            <a:r>
-              <a:rPr lang="en-US" sz="1200" dirty="0">
-                <a:latin typeface="Arial" panose="020B0604020202020204" pitchFamily="34" charset="0"/>
-                <a:cs typeface="Arial" panose="020B0604020202020204" pitchFamily="34" charset="0"/>
-              </a:rPr>
-              <a:t>Attestation</a:t>
-            </a:r>
-          </a:p>
-        </p:txBody>
-      </p:sp>
+      </p:cxnSp>
+      <p:cxnSp>
+        <p:nvCxnSpPr>
+          <p:cNvPr id="216" name="Straight Connector 215"/>
+          <p:cNvCxnSpPr/>
+          <p:nvPr/>
+        </p:nvCxnSpPr>
+        <p:spPr>
+          <a:xfrm>
+            <a:off x="2566222" y="5158854"/>
+            <a:ext cx="216212" cy="0"/>
+          </a:xfrm>
+          <a:prstGeom prst="line">
+            <a:avLst/>
+          </a:prstGeom>
+          <a:ln>
+            <a:solidFill>
+              <a:schemeClr val="tx1"/>
+            </a:solidFill>
+          </a:ln>
+        </p:spPr>
+        <p:style>
+          <a:lnRef idx="1">
+            <a:schemeClr val="accent1"/>
+          </a:lnRef>
+          <a:fillRef idx="0">
+            <a:schemeClr val="accent1"/>
+          </a:fillRef>
+          <a:effectRef idx="0">
+            <a:schemeClr val="accent1"/>
+          </a:effectRef>
+          <a:fontRef idx="minor">
+            <a:schemeClr val="tx1"/>
+          </a:fontRef>
+        </p:style>
+      </p:cxnSp>
+      <p:cxnSp>
+        <p:nvCxnSpPr>
+          <p:cNvPr id="224" name="Straight Arrow Connector 223"/>
+          <p:cNvCxnSpPr/>
+          <p:nvPr/>
+        </p:nvCxnSpPr>
+        <p:spPr>
+          <a:xfrm>
+            <a:off x="4287656" y="3168547"/>
+            <a:ext cx="0" cy="232007"/>
+          </a:xfrm>
+          <a:prstGeom prst="straightConnector1">
+            <a:avLst/>
+          </a:prstGeom>
+          <a:ln>
+            <a:solidFill>
+              <a:schemeClr val="tx1"/>
+            </a:solidFill>
+            <a:tailEnd type="triangle"/>
+          </a:ln>
+        </p:spPr>
+        <p:style>
+          <a:lnRef idx="1">
+            <a:schemeClr val="accent1"/>
+          </a:lnRef>
+          <a:fillRef idx="0">
+            <a:schemeClr val="accent1"/>
+          </a:fillRef>
+          <a:effectRef idx="0">
+            <a:schemeClr val="accent1"/>
+          </a:effectRef>
+          <a:fontRef idx="minor">
+            <a:schemeClr val="tx1"/>
+          </a:fontRef>
+        </p:style>
+      </p:cxnSp>
     </p:spTree>
     <p:extLst>
       <p:ext uri="{BB962C8B-B14F-4D97-AF65-F5344CB8AC3E}">
